--- a/_PowerPoints/2nd Semester/Unit 11 Calc Preview/PreCalc_Day_072 12.2 Techniques for Evaluating Limits.pptx
+++ b/_PowerPoints/2nd Semester/Unit 11 Calc Preview/PreCalc_Day_072 12.2 Techniques for Evaluating Limits.pptx
@@ -294,7 +294,7 @@
             <a:fld id="{87DE6118-2437-4B30-8E3C-4D2BE6020583}" type="datetimeFigureOut">
               <a:rPr lang="en-US" dirty="0"/>
               <a:pPr/>
-              <a:t>4/16/2018</a:t>
+              <a:t>4/20/2018</a:t>
             </a:fld>
             <a:endParaRPr lang="en-US" dirty="0"/>
           </a:p>
@@ -620,7 +620,7 @@
           <a:p>
             <a:fld id="{87DE6118-2437-4B30-8E3C-4D2BE6020583}" type="datetimeFigureOut">
               <a:rPr lang="en-US" dirty="0"/>
-              <a:t>4/16/2018</a:t>
+              <a:t>4/20/2018</a:t>
             </a:fld>
             <a:endParaRPr lang="en-US" dirty="0"/>
           </a:p>
@@ -795,7 +795,7 @@
           <a:p>
             <a:fld id="{87DE6118-2437-4B30-8E3C-4D2BE6020583}" type="datetimeFigureOut">
               <a:rPr lang="en-US" dirty="0"/>
-              <a:t>4/16/2018</a:t>
+              <a:t>4/20/2018</a:t>
             </a:fld>
             <a:endParaRPr lang="en-US" dirty="0"/>
           </a:p>
@@ -960,7 +960,7 @@
           <a:p>
             <a:fld id="{87DE6118-2437-4B30-8E3C-4D2BE6020583}" type="datetimeFigureOut">
               <a:rPr lang="en-US" dirty="0"/>
-              <a:t>4/16/2018</a:t>
+              <a:t>4/20/2018</a:t>
             </a:fld>
             <a:endParaRPr lang="en-US" dirty="0"/>
           </a:p>
@@ -1233,7 +1233,7 @@
             <a:fld id="{87DE6118-2437-4B30-8E3C-4D2BE6020583}" type="datetimeFigureOut">
               <a:rPr lang="en-US" dirty="0"/>
               <a:pPr/>
-              <a:t>4/16/2018</a:t>
+              <a:t>4/20/2018</a:t>
             </a:fld>
             <a:endParaRPr lang="en-US" dirty="0"/>
           </a:p>
@@ -1623,7 +1623,7 @@
           <a:p>
             <a:fld id="{87DE6118-2437-4B30-8E3C-4D2BE6020583}" type="datetimeFigureOut">
               <a:rPr lang="en-US" dirty="0"/>
-              <a:t>4/16/2018</a:t>
+              <a:t>4/20/2018</a:t>
             </a:fld>
             <a:endParaRPr lang="en-US" dirty="0"/>
           </a:p>
@@ -2095,7 +2095,7 @@
           <a:p>
             <a:fld id="{87DE6118-2437-4B30-8E3C-4D2BE6020583}" type="datetimeFigureOut">
               <a:rPr lang="en-US" dirty="0"/>
-              <a:t>4/16/2018</a:t>
+              <a:t>4/20/2018</a:t>
             </a:fld>
             <a:endParaRPr lang="en-US" dirty="0"/>
           </a:p>
@@ -2208,7 +2208,7 @@
           <a:p>
             <a:fld id="{87DE6118-2437-4B30-8E3C-4D2BE6020583}" type="datetimeFigureOut">
               <a:rPr lang="en-US" dirty="0"/>
-              <a:t>4/16/2018</a:t>
+              <a:t>4/20/2018</a:t>
             </a:fld>
             <a:endParaRPr lang="en-US" dirty="0"/>
           </a:p>
@@ -2298,7 +2298,7 @@
           <a:p>
             <a:fld id="{87DE6118-2437-4B30-8E3C-4D2BE6020583}" type="datetimeFigureOut">
               <a:rPr lang="en-US" dirty="0"/>
-              <a:t>4/16/2018</a:t>
+              <a:t>4/20/2018</a:t>
             </a:fld>
             <a:endParaRPr lang="en-US" dirty="0"/>
           </a:p>
@@ -2640,7 +2640,7 @@
             <a:fld id="{87DE6118-2437-4B30-8E3C-4D2BE6020583}" type="datetimeFigureOut">
               <a:rPr lang="en-US" dirty="0"/>
               <a:pPr/>
-              <a:t>4/16/2018</a:t>
+              <a:t>4/20/2018</a:t>
             </a:fld>
             <a:endParaRPr lang="en-US" dirty="0"/>
           </a:p>
@@ -3025,7 +3025,7 @@
             <a:fld id="{87DE6118-2437-4B30-8E3C-4D2BE6020583}" type="datetimeFigureOut">
               <a:rPr lang="en-US" dirty="0"/>
               <a:pPr/>
-              <a:t>4/16/2018</a:t>
+              <a:t>4/20/2018</a:t>
             </a:fld>
             <a:endParaRPr lang="en-US" dirty="0"/>
           </a:p>
@@ -3300,7 +3300,7 @@
             <a:fld id="{87DE6118-2437-4B30-8E3C-4D2BE6020583}" type="datetimeFigureOut">
               <a:rPr lang="en-US" dirty="0"/>
               <a:pPr/>
-              <a:t>4/16/2018</a:t>
+              <a:t>4/20/2018</a:t>
             </a:fld>
             <a:endParaRPr lang="en-US" dirty="0"/>
           </a:p>
@@ -4151,8 +4151,8 @@
           </a:p>
         </p:txBody>
       </p:sp>
-      <mc:AlternateContent xmlns:mc="http://schemas.openxmlformats.org/markup-compatibility/2006" xmlns:a14="http://schemas.microsoft.com/office/drawing/2010/main">
-        <mc:Choice Requires="a14">
+      <mc:AlternateContent xmlns:mc="http://schemas.openxmlformats.org/markup-compatibility/2006">
+        <mc:Choice xmlns:a14="http://schemas.microsoft.com/office/drawing/2010/main" Requires="a14">
           <p:sp>
             <p:nvSpPr>
               <p:cNvPr id="3" name="Content Placeholder 2"/>
@@ -4183,7 +4183,7 @@
                     </m:oMathParaPr>
                     <m:oMath xmlns:m="http://schemas.openxmlformats.org/officeDocument/2006/math">
                       <m:r>
-                        <a:rPr lang="en-US" sz="3000" i="1">
+                        <a:rPr lang="en-US" sz="3000" i="1" smtClean="0">
                           <a:latin typeface="Cambria Math" panose="02040503050406030204" pitchFamily="18" charset="0"/>
                         </a:rPr>
                         <m:t>𝑓</m:t>
@@ -4258,7 +4258,7 @@
                         <a:rPr lang="en-US" sz="3000" i="1">
                           <a:latin typeface="Cambria Math" panose="02040503050406030204" pitchFamily="18" charset="0"/>
                         </a:rPr>
-                        <m:t>      (2, 0) </m:t>
+                        <m:t>      (3, 9) </m:t>
                       </m:r>
                     </m:oMath>
                   </m:oMathPara>
@@ -4271,7 +4271,7 @@
             </p:txBody>
           </p:sp>
         </mc:Choice>
-        <mc:Fallback xmlns="">
+        <mc:Fallback>
           <p:sp>
             <p:nvSpPr>
               <p:cNvPr id="3" name="Content Placeholder 2"/>
@@ -5933,11 +5933,7 @@
           <a:p>
             <a:r>
               <a:rPr lang="en-US" dirty="0" smtClean="0"/>
-              <a:t>Day </a:t>
-            </a:r>
-            <a:r>
-              <a:rPr lang="en-US" dirty="0" smtClean="0"/>
-              <a:t>72</a:t>
+              <a:t>Day 72</a:t>
             </a:r>
             <a:endParaRPr lang="en-US" dirty="0"/>
           </a:p>
@@ -9014,8 +9010,8 @@
           </p:sp>
         </mc:Fallback>
       </mc:AlternateContent>
-      <mc:AlternateContent xmlns:mc="http://schemas.openxmlformats.org/markup-compatibility/2006" xmlns:a14="http://schemas.microsoft.com/office/drawing/2010/main">
-        <mc:Choice Requires="a14">
+      <mc:AlternateContent xmlns:mc="http://schemas.openxmlformats.org/markup-compatibility/2006">
+        <mc:Choice xmlns:a14="http://schemas.microsoft.com/office/drawing/2010/main" Requires="a14">
           <p:sp>
             <p:nvSpPr>
               <p:cNvPr id="8" name="Rectangle 7"/>
@@ -9025,7 +9021,7 @@
             <p:spPr>
               <a:xfrm>
                 <a:off x="6790544" y="4751882"/>
-                <a:ext cx="3635482" cy="1261307"/>
+                <a:ext cx="3688381" cy="1303242"/>
               </a:xfrm>
               <a:prstGeom prst="rect">
                 <a:avLst/>
@@ -9103,10 +9099,10 @@
                                 </m:e>
                                 <m:sup>
                                   <m:r>
-                                    <a:rPr lang="en-US" sz="4000" i="1">
+                                    <a:rPr lang="en-US" sz="4000" b="0" i="1" smtClean="0">
                                       <a:latin typeface="Cambria Math" panose="02040503050406030204" pitchFamily="18" charset="0"/>
                                     </a:rPr>
-                                    <m:t>+</m:t>
+                                    <m:t>−</m:t>
                                   </m:r>
                                 </m:sup>
                               </m:sSup>
@@ -9167,7 +9163,7 @@
             </p:txBody>
           </p:sp>
         </mc:Choice>
-        <mc:Fallback xmlns="">
+        <mc:Fallback>
           <p:sp>
             <p:nvSpPr>
               <p:cNvPr id="8" name="Rectangle 7"/>
@@ -9179,7 +9175,7 @@
             <p:spPr>
               <a:xfrm>
                 <a:off x="6790544" y="4751882"/>
-                <a:ext cx="3635482" cy="1261307"/>
+                <a:ext cx="3688381" cy="1303242"/>
               </a:xfrm>
               <a:prstGeom prst="rect">
                 <a:avLst/>
